--- a/Лаб2/Модель.pptx
+++ b/Лаб2/Модель.pptx
@@ -104,6 +104,11 @@
       </a:defRPr>
     </a:lvl9pPr>
   </p:defaultTextStyle>
+  <p:extLst>
+    <p:ext uri="{EFAFB233-063F-42B5-8137-9DF3F51BA10A}">
+      <p15:sldGuideLst xmlns:p15="http://schemas.microsoft.com/office/powerpoint/2012/main"/>
+    </p:ext>
+  </p:extLst>
 </p:presentation>
 </file>
 
@@ -112,12 +117,12 @@
   <pc:docChgLst>
     <pc:chgData name="Максим Мясников" userId="eb1110bc54b184a5" providerId="LiveId" clId="{B47DF879-7602-46E3-B08A-80C2727D752B}"/>
     <pc:docChg chg="undo custSel modSld">
-      <pc:chgData name="Максим Мясников" userId="eb1110bc54b184a5" providerId="LiveId" clId="{B47DF879-7602-46E3-B08A-80C2727D752B}" dt="2021-10-10T09:24:05.555" v="225" actId="1035"/>
+      <pc:chgData name="Максим Мясников" userId="eb1110bc54b184a5" providerId="LiveId" clId="{B47DF879-7602-46E3-B08A-80C2727D752B}" dt="2021-10-12T16:55:04.776" v="230" actId="20577"/>
       <pc:docMkLst>
         <pc:docMk/>
       </pc:docMkLst>
       <pc:sldChg chg="addSp delSp modSp mod">
-        <pc:chgData name="Максим Мясников" userId="eb1110bc54b184a5" providerId="LiveId" clId="{B47DF879-7602-46E3-B08A-80C2727D752B}" dt="2021-10-10T09:24:05.555" v="225" actId="1035"/>
+        <pc:chgData name="Максим Мясников" userId="eb1110bc54b184a5" providerId="LiveId" clId="{B47DF879-7602-46E3-B08A-80C2727D752B}" dt="2021-10-12T16:55:04.776" v="230" actId="20577"/>
         <pc:sldMkLst>
           <pc:docMk/>
           <pc:sldMk cId="4072151610" sldId="256"/>
@@ -139,7 +144,7 @@
           </ac:spMkLst>
         </pc:spChg>
         <pc:spChg chg="add mod">
-          <ac:chgData name="Максим Мясников" userId="eb1110bc54b184a5" providerId="LiveId" clId="{B47DF879-7602-46E3-B08A-80C2727D752B}" dt="2021-10-10T09:02:17.944" v="137" actId="1076"/>
+          <ac:chgData name="Максим Мясников" userId="eb1110bc54b184a5" providerId="LiveId" clId="{B47DF879-7602-46E3-B08A-80C2727D752B}" dt="2021-10-12T16:55:01.548" v="229" actId="1076"/>
           <ac:spMkLst>
             <pc:docMk/>
             <pc:sldMk cId="4072151610" sldId="256"/>
@@ -147,7 +152,7 @@
           </ac:spMkLst>
         </pc:spChg>
         <pc:spChg chg="add mod">
-          <ac:chgData name="Максим Мясников" userId="eb1110bc54b184a5" providerId="LiveId" clId="{B47DF879-7602-46E3-B08A-80C2727D752B}" dt="2021-10-10T09:03:01.780" v="160" actId="404"/>
+          <ac:chgData name="Максим Мясников" userId="eb1110bc54b184a5" providerId="LiveId" clId="{B47DF879-7602-46E3-B08A-80C2727D752B}" dt="2021-10-12T16:55:04.776" v="230" actId="20577"/>
           <ac:spMkLst>
             <pc:docMk/>
             <pc:sldMk cId="4072151610" sldId="256"/>
@@ -515,7 +520,7 @@
           <a:p>
             <a:fld id="{37AD163D-4EDD-40D4-BFE0-19E099B8FA63}" type="datetimeFigureOut">
               <a:rPr lang="ru-RU" smtClean="0"/>
-              <a:t>10.10.2021</a:t>
+              <a:t>12.10.2021</a:t>
             </a:fld>
             <a:endParaRPr lang="ru-RU"/>
           </a:p>
@@ -713,7 +718,7 @@
           <a:p>
             <a:fld id="{37AD163D-4EDD-40D4-BFE0-19E099B8FA63}" type="datetimeFigureOut">
               <a:rPr lang="ru-RU" smtClean="0"/>
-              <a:t>10.10.2021</a:t>
+              <a:t>12.10.2021</a:t>
             </a:fld>
             <a:endParaRPr lang="ru-RU"/>
           </a:p>
@@ -921,7 +926,7 @@
           <a:p>
             <a:fld id="{37AD163D-4EDD-40D4-BFE0-19E099B8FA63}" type="datetimeFigureOut">
               <a:rPr lang="ru-RU" smtClean="0"/>
-              <a:t>10.10.2021</a:t>
+              <a:t>12.10.2021</a:t>
             </a:fld>
             <a:endParaRPr lang="ru-RU"/>
           </a:p>
@@ -1119,7 +1124,7 @@
           <a:p>
             <a:fld id="{37AD163D-4EDD-40D4-BFE0-19E099B8FA63}" type="datetimeFigureOut">
               <a:rPr lang="ru-RU" smtClean="0"/>
-              <a:t>10.10.2021</a:t>
+              <a:t>12.10.2021</a:t>
             </a:fld>
             <a:endParaRPr lang="ru-RU"/>
           </a:p>
@@ -1394,7 +1399,7 @@
           <a:p>
             <a:fld id="{37AD163D-4EDD-40D4-BFE0-19E099B8FA63}" type="datetimeFigureOut">
               <a:rPr lang="ru-RU" smtClean="0"/>
-              <a:t>10.10.2021</a:t>
+              <a:t>12.10.2021</a:t>
             </a:fld>
             <a:endParaRPr lang="ru-RU"/>
           </a:p>
@@ -1659,7 +1664,7 @@
           <a:p>
             <a:fld id="{37AD163D-4EDD-40D4-BFE0-19E099B8FA63}" type="datetimeFigureOut">
               <a:rPr lang="ru-RU" smtClean="0"/>
-              <a:t>10.10.2021</a:t>
+              <a:t>12.10.2021</a:t>
             </a:fld>
             <a:endParaRPr lang="ru-RU"/>
           </a:p>
@@ -2071,7 +2076,7 @@
           <a:p>
             <a:fld id="{37AD163D-4EDD-40D4-BFE0-19E099B8FA63}" type="datetimeFigureOut">
               <a:rPr lang="ru-RU" smtClean="0"/>
-              <a:t>10.10.2021</a:t>
+              <a:t>12.10.2021</a:t>
             </a:fld>
             <a:endParaRPr lang="ru-RU"/>
           </a:p>
@@ -2212,7 +2217,7 @@
           <a:p>
             <a:fld id="{37AD163D-4EDD-40D4-BFE0-19E099B8FA63}" type="datetimeFigureOut">
               <a:rPr lang="ru-RU" smtClean="0"/>
-              <a:t>10.10.2021</a:t>
+              <a:t>12.10.2021</a:t>
             </a:fld>
             <a:endParaRPr lang="ru-RU"/>
           </a:p>
@@ -2325,7 +2330,7 @@
           <a:p>
             <a:fld id="{37AD163D-4EDD-40D4-BFE0-19E099B8FA63}" type="datetimeFigureOut">
               <a:rPr lang="ru-RU" smtClean="0"/>
-              <a:t>10.10.2021</a:t>
+              <a:t>12.10.2021</a:t>
             </a:fld>
             <a:endParaRPr lang="ru-RU"/>
           </a:p>
@@ -2636,7 +2641,7 @@
           <a:p>
             <a:fld id="{37AD163D-4EDD-40D4-BFE0-19E099B8FA63}" type="datetimeFigureOut">
               <a:rPr lang="ru-RU" smtClean="0"/>
-              <a:t>10.10.2021</a:t>
+              <a:t>12.10.2021</a:t>
             </a:fld>
             <a:endParaRPr lang="ru-RU"/>
           </a:p>
@@ -2924,7 +2929,7 @@
           <a:p>
             <a:fld id="{37AD163D-4EDD-40D4-BFE0-19E099B8FA63}" type="datetimeFigureOut">
               <a:rPr lang="ru-RU" smtClean="0"/>
-              <a:t>10.10.2021</a:t>
+              <a:t>12.10.2021</a:t>
             </a:fld>
             <a:endParaRPr lang="ru-RU"/>
           </a:p>
@@ -3165,7 +3170,7 @@
           <a:p>
             <a:fld id="{37AD163D-4EDD-40D4-BFE0-19E099B8FA63}" type="datetimeFigureOut">
               <a:rPr lang="ru-RU" smtClean="0"/>
-              <a:t>10.10.2021</a:t>
+              <a:t>12.10.2021</a:t>
             </a:fld>
             <a:endParaRPr lang="ru-RU"/>
           </a:p>
@@ -3845,8 +3850,8 @@
         </p:nvSpPr>
         <p:spPr>
           <a:xfrm>
-            <a:off x="1038559" y="3842266"/>
-            <a:ext cx="381836" cy="369332"/>
+            <a:off x="951061" y="3854137"/>
+            <a:ext cx="486030" cy="369332"/>
           </a:xfrm>
           <a:prstGeom prst="rect">
             <a:avLst/>
@@ -3865,7 +3870,7 @@
                   <a:schemeClr val="accent1"/>
                 </a:solidFill>
               </a:rPr>
-              <a:t>M</a:t>
+              <a:t>m0</a:t>
             </a:r>
             <a:endParaRPr lang="ru-RU" dirty="0">
               <a:solidFill>
@@ -3929,7 +3934,7 @@
         <p:spPr>
           <a:xfrm>
             <a:off x="1560530" y="4339948"/>
-            <a:ext cx="473206" cy="430887"/>
+            <a:ext cx="370614" cy="415498"/>
           </a:xfrm>
           <a:prstGeom prst="rect">
             <a:avLst/>
@@ -3948,7 +3953,7 @@
                   <a:schemeClr val="accent1"/>
                 </a:solidFill>
               </a:rPr>
-              <a:t>v2ult</a:t>
+              <a:t>u</a:t>
             </a:r>
           </a:p>
           <a:p>
